--- a/Python.pptx
+++ b/Python.pptx
@@ -8,11 +8,13 @@
     <p:sldId id="256" r:id="rId2"/>
     <p:sldId id="257" r:id="rId3"/>
     <p:sldId id="258" r:id="rId4"/>
-    <p:sldId id="259" r:id="rId5"/>
-    <p:sldId id="263" r:id="rId6"/>
-    <p:sldId id="260" r:id="rId7"/>
-    <p:sldId id="261" r:id="rId8"/>
-    <p:sldId id="262" r:id="rId9"/>
+    <p:sldId id="264" r:id="rId5"/>
+    <p:sldId id="265" r:id="rId6"/>
+    <p:sldId id="259" r:id="rId7"/>
+    <p:sldId id="263" r:id="rId8"/>
+    <p:sldId id="260" r:id="rId9"/>
+    <p:sldId id="261" r:id="rId10"/>
+    <p:sldId id="262" r:id="rId11"/>
   </p:sldIdLst>
   <p:sldSz cx="12192000" cy="6858000"/>
   <p:notesSz cx="6858000" cy="9144000"/>
@@ -111,6 +113,11 @@
       </a:defRPr>
     </a:lvl9pPr>
   </p:defaultTextStyle>
+  <p:extLst>
+    <p:ext uri="{EFAFB233-063F-42B5-8137-9DF3F51BA10A}">
+      <p15:sldGuideLst xmlns:p15="http://schemas.microsoft.com/office/powerpoint/2012/main"/>
+    </p:ext>
+  </p:extLst>
 </p:presentation>
 </file>
 
@@ -1693,7 +1700,7 @@
             <a:fld id="{B61BEF0D-F0BB-DE4B-95CE-6DB70DBA9567}" type="datetimeFigureOut">
               <a:rPr lang="en-US" dirty="0"/>
               <a:pPr/>
-              <a:t>1/24/2021</a:t>
+              <a:t>2/10/2021</a:t>
             </a:fld>
             <a:endParaRPr lang="en-US" dirty="0"/>
           </a:p>
@@ -1941,7 +1948,7 @@
             <a:fld id="{B61BEF0D-F0BB-DE4B-95CE-6DB70DBA9567}" type="datetimeFigureOut">
               <a:rPr lang="en-US" dirty="0"/>
               <a:pPr/>
-              <a:t>1/24/2021</a:t>
+              <a:t>2/10/2021</a:t>
             </a:fld>
             <a:endParaRPr lang="en-US" dirty="0"/>
           </a:p>
@@ -2252,7 +2259,7 @@
             <a:fld id="{B61BEF0D-F0BB-DE4B-95CE-6DB70DBA9567}" type="datetimeFigureOut">
               <a:rPr lang="en-US" dirty="0"/>
               <a:pPr/>
-              <a:t>1/24/2021</a:t>
+              <a:t>2/10/2021</a:t>
             </a:fld>
             <a:endParaRPr lang="en-US" dirty="0"/>
           </a:p>
@@ -2582,7 +2589,7 @@
             <a:fld id="{B61BEF0D-F0BB-DE4B-95CE-6DB70DBA9567}" type="datetimeFigureOut">
               <a:rPr lang="en-US" dirty="0"/>
               <a:pPr/>
-              <a:t>1/24/2021</a:t>
+              <a:t>2/10/2021</a:t>
             </a:fld>
             <a:endParaRPr lang="en-US" dirty="0"/>
           </a:p>
@@ -2893,7 +2900,7 @@
             <a:fld id="{B61BEF0D-F0BB-DE4B-95CE-6DB70DBA9567}" type="datetimeFigureOut">
               <a:rPr lang="en-US" dirty="0"/>
               <a:pPr/>
-              <a:t>1/24/2021</a:t>
+              <a:t>2/10/2021</a:t>
             </a:fld>
             <a:endParaRPr lang="en-US" dirty="0"/>
           </a:p>
@@ -3283,7 +3290,7 @@
             <a:fld id="{B61BEF0D-F0BB-DE4B-95CE-6DB70DBA9567}" type="datetimeFigureOut">
               <a:rPr lang="en-US" dirty="0"/>
               <a:pPr/>
-              <a:t>1/24/2021</a:t>
+              <a:t>2/10/2021</a:t>
             </a:fld>
             <a:endParaRPr lang="en-US" dirty="0"/>
           </a:p>
@@ -3449,7 +3456,7 @@
           <a:p>
             <a:fld id="{55C6B4A9-1611-4792-9094-5F34BCA07E0B}" type="datetimeFigureOut">
               <a:rPr lang="en-US" dirty="0"/>
-              <a:t>1/24/2021</a:t>
+              <a:t>2/10/2021</a:t>
             </a:fld>
             <a:endParaRPr lang="en-US" dirty="0"/>
           </a:p>
@@ -3625,7 +3632,7 @@
             <a:fld id="{B61BEF0D-F0BB-DE4B-95CE-6DB70DBA9567}" type="datetimeFigureOut">
               <a:rPr lang="en-US" dirty="0"/>
               <a:pPr/>
-              <a:t>1/24/2021</a:t>
+              <a:t>2/10/2021</a:t>
             </a:fld>
             <a:endParaRPr lang="en-US" dirty="0"/>
           </a:p>
@@ -3791,7 +3798,7 @@
           <a:p>
             <a:fld id="{42A54C80-263E-416B-A8E0-580EDEADCBDC}" type="datetimeFigureOut">
               <a:rPr lang="en-US" dirty="0"/>
-              <a:t>1/24/2021</a:t>
+              <a:t>2/10/2021</a:t>
             </a:fld>
             <a:endParaRPr lang="en-US" dirty="0"/>
           </a:p>
@@ -4034,7 +4041,7 @@
             <a:fld id="{B61BEF0D-F0BB-DE4B-95CE-6DB70DBA9567}" type="datetimeFigureOut">
               <a:rPr lang="en-US" dirty="0"/>
               <a:pPr/>
-              <a:t>1/24/2021</a:t>
+              <a:t>2/10/2021</a:t>
             </a:fld>
             <a:endParaRPr lang="en-US" dirty="0"/>
           </a:p>
@@ -4262,7 +4269,7 @@
           <a:p>
             <a:fld id="{42A54C80-263E-416B-A8E0-580EDEADCBDC}" type="datetimeFigureOut">
               <a:rPr lang="en-US" dirty="0"/>
-              <a:t>1/24/2021</a:t>
+              <a:t>2/10/2021</a:t>
             </a:fld>
             <a:endParaRPr lang="en-US" dirty="0"/>
           </a:p>
@@ -4632,7 +4639,7 @@
             <a:fld id="{B61BEF0D-F0BB-DE4B-95CE-6DB70DBA9567}" type="datetimeFigureOut">
               <a:rPr lang="en-US" dirty="0"/>
               <a:pPr/>
-              <a:t>1/24/2021</a:t>
+              <a:t>2/10/2021</a:t>
             </a:fld>
             <a:endParaRPr lang="en-US" dirty="0"/>
           </a:p>
@@ -4752,7 +4759,7 @@
             <a:fld id="{B61BEF0D-F0BB-DE4B-95CE-6DB70DBA9567}" type="datetimeFigureOut">
               <a:rPr lang="en-US" dirty="0"/>
               <a:pPr/>
-              <a:t>1/24/2021</a:t>
+              <a:t>2/10/2021</a:t>
             </a:fld>
             <a:endParaRPr lang="en-US" dirty="0"/>
           </a:p>
@@ -4844,7 +4851,7 @@
             <a:fld id="{B61BEF0D-F0BB-DE4B-95CE-6DB70DBA9567}" type="datetimeFigureOut">
               <a:rPr lang="en-US" dirty="0"/>
               <a:pPr/>
-              <a:t>1/24/2021</a:t>
+              <a:t>2/10/2021</a:t>
             </a:fld>
             <a:endParaRPr lang="en-US" dirty="0"/>
           </a:p>
@@ -5095,7 +5102,7 @@
           <a:p>
             <a:fld id="{42A54C80-263E-416B-A8E0-580EDEADCBDC}" type="datetimeFigureOut">
               <a:rPr lang="en-US" dirty="0"/>
-              <a:t>1/24/2021</a:t>
+              <a:t>2/10/2021</a:t>
             </a:fld>
             <a:endParaRPr lang="en-US" dirty="0"/>
           </a:p>
@@ -5397,7 +5404,7 @@
             <a:fld id="{B61BEF0D-F0BB-DE4B-95CE-6DB70DBA9567}" type="datetimeFigureOut">
               <a:rPr lang="en-US" dirty="0"/>
               <a:pPr/>
-              <a:t>1/24/2021</a:t>
+              <a:t>2/10/2021</a:t>
             </a:fld>
             <a:endParaRPr lang="en-US" dirty="0"/>
           </a:p>
@@ -6095,7 +6102,7 @@
             <a:fld id="{B61BEF0D-F0BB-DE4B-95CE-6DB70DBA9567}" type="datetimeFigureOut">
               <a:rPr lang="en-US" dirty="0"/>
               <a:pPr/>
-              <a:t>1/24/2021</a:t>
+              <a:t>2/10/2021</a:t>
             </a:fld>
             <a:endParaRPr lang="en-US" dirty="0"/>
           </a:p>
@@ -6674,6 +6681,91 @@
 </p:sld>
 </file>
 
+<file path=ppt/slides/slide10.xml><?xml version="1.0" encoding="utf-8"?>
+<p:sld xmlns:a="http://schemas.openxmlformats.org/drawingml/2006/main" xmlns:r="http://schemas.openxmlformats.org/officeDocument/2006/relationships" xmlns:p="http://schemas.openxmlformats.org/presentationml/2006/main">
+  <p:cSld>
+    <p:spTree>
+      <p:nvGrpSpPr>
+        <p:cNvPr id="1" name=""/>
+        <p:cNvGrpSpPr/>
+        <p:nvPr/>
+      </p:nvGrpSpPr>
+      <p:grpSpPr>
+        <a:xfrm>
+          <a:off x="0" y="0"/>
+          <a:ext cx="0" cy="0"/>
+          <a:chOff x="0" y="0"/>
+          <a:chExt cx="0" cy="0"/>
+        </a:xfrm>
+      </p:grpSpPr>
+      <p:sp>
+        <p:nvSpPr>
+          <p:cNvPr id="2" name="Unvan 1"/>
+          <p:cNvSpPr>
+            <a:spLocks noGrp="1"/>
+          </p:cNvSpPr>
+          <p:nvPr>
+            <p:ph type="title"/>
+          </p:nvPr>
+        </p:nvSpPr>
+        <p:spPr/>
+        <p:txBody>
+          <a:bodyPr/>
+          <a:lstStyle/>
+          <a:p>
+            <a:r>
+              <a:rPr lang="tr-TR" dirty="0" smtClean="0"/>
+              <a:t>Basık Dağılım, Eğik ,Dik Dağılım</a:t>
+            </a:r>
+            <a:br>
+              <a:rPr lang="tr-TR" dirty="0" smtClean="0"/>
+            </a:br>
+            <a:endParaRPr lang="en-US" dirty="0"/>
+          </a:p>
+        </p:txBody>
+      </p:sp>
+      <p:pic>
+        <p:nvPicPr>
+          <p:cNvPr id="4" name="İçerik Yer Tutucusu 3"/>
+          <p:cNvPicPr>
+            <a:picLocks noGrp="1" noChangeAspect="1"/>
+          </p:cNvPicPr>
+          <p:nvPr>
+            <p:ph idx="1"/>
+          </p:nvPr>
+        </p:nvPicPr>
+        <p:blipFill>
+          <a:blip r:embed="rId2">
+            <a:extLst>
+              <a:ext uri="{28A0092B-C50C-407E-A947-70E740481C1C}">
+                <a14:useLocalDpi xmlns:a14="http://schemas.microsoft.com/office/drawing/2010/main" val="0"/>
+              </a:ext>
+            </a:extLst>
+          </a:blip>
+          <a:stretch>
+            <a:fillRect/>
+          </a:stretch>
+        </p:blipFill>
+        <p:spPr>
+          <a:xfrm>
+            <a:off x="1267691" y="1580606"/>
+            <a:ext cx="7374999" cy="4963885"/>
+          </a:xfrm>
+        </p:spPr>
+      </p:pic>
+    </p:spTree>
+    <p:extLst>
+      <p:ext uri="{BB962C8B-B14F-4D97-AF65-F5344CB8AC3E}">
+        <p14:creationId xmlns:p14="http://schemas.microsoft.com/office/powerpoint/2010/main" val="2368755043"/>
+      </p:ext>
+    </p:extLst>
+  </p:cSld>
+  <p:clrMapOvr>
+    <a:masterClrMapping/>
+  </p:clrMapOvr>
+</p:sld>
+</file>
+
 <file path=ppt/slides/slide2.xml><?xml version="1.0" encoding="utf-8"?>
 <p:sld xmlns:a="http://schemas.openxmlformats.org/drawingml/2006/main" xmlns:r="http://schemas.openxmlformats.org/officeDocument/2006/relationships" xmlns:p="http://schemas.openxmlformats.org/presentationml/2006/main">
   <p:cSld>
@@ -6747,10 +6839,20 @@
           <a:p>
             <a:r>
               <a:rPr lang="tr-TR" dirty="0" smtClean="0"/>
-              <a:t>2008 yılında 3.0 versiyonu çıkınca yaygınlaşması arttı</a:t>
-            </a:r>
-          </a:p>
-          <a:p>
+              <a:t>2008 yılında 3.0 versiyonu çıkınca yaygınlaşması </a:t>
+            </a:r>
+            <a:r>
+              <a:rPr lang="tr-TR" dirty="0" smtClean="0"/>
+              <a:t>arttı</a:t>
+            </a:r>
+          </a:p>
+          <a:p>
+            <a:r>
+              <a:rPr lang="en-US" dirty="0" smtClean="0">
+                <a:hlinkClick r:id="rId2"/>
+              </a:rPr>
+              <a:t>https://www.besanttechnologies.com/top-10-programming-languages-to-learn</a:t>
+            </a:r>
             <a:endParaRPr lang="en-US" dirty="0"/>
           </a:p>
         </p:txBody>
@@ -6908,6 +7010,168 @@
           <a:p>
             <a:r>
               <a:rPr lang="tr-TR" dirty="0" smtClean="0"/>
+              <a:t>OPP ile Yapılan Siteler</a:t>
+            </a:r>
+            <a:endParaRPr lang="en-US" dirty="0"/>
+          </a:p>
+        </p:txBody>
+      </p:sp>
+      <p:sp>
+        <p:nvSpPr>
+          <p:cNvPr id="3" name="İçerik Yer Tutucusu 2"/>
+          <p:cNvSpPr>
+            <a:spLocks noGrp="1"/>
+          </p:cNvSpPr>
+          <p:nvPr>
+            <p:ph idx="1"/>
+          </p:nvPr>
+        </p:nvSpPr>
+        <p:spPr/>
+        <p:txBody>
+          <a:bodyPr/>
+          <a:lstStyle/>
+          <a:p>
+            <a:r>
+              <a:rPr lang="en-US" sz="4400" b="1" dirty="0" smtClean="0">
+                <a:hlinkClick r:id="rId2"/>
+              </a:rPr>
+              <a:t>https://www.facebook.com/</a:t>
+            </a:r>
+            <a:endParaRPr lang="tr-TR" sz="4400" b="1" dirty="0"/>
+          </a:p>
+          <a:p>
+            <a:endParaRPr lang="en-US" b="1" dirty="0"/>
+          </a:p>
+        </p:txBody>
+      </p:sp>
+    </p:spTree>
+    <p:extLst>
+      <p:ext uri="{BB962C8B-B14F-4D97-AF65-F5344CB8AC3E}">
+        <p14:creationId xmlns:p14="http://schemas.microsoft.com/office/powerpoint/2010/main" val="301487583"/>
+      </p:ext>
+    </p:extLst>
+  </p:cSld>
+  <p:clrMapOvr>
+    <a:masterClrMapping/>
+  </p:clrMapOvr>
+</p:sld>
+</file>
+
+<file path=ppt/slides/slide5.xml><?xml version="1.0" encoding="utf-8"?>
+<p:sld xmlns:a="http://schemas.openxmlformats.org/drawingml/2006/main" xmlns:r="http://schemas.openxmlformats.org/officeDocument/2006/relationships" xmlns:p="http://schemas.openxmlformats.org/presentationml/2006/main">
+  <p:cSld>
+    <p:spTree>
+      <p:nvGrpSpPr>
+        <p:cNvPr id="1" name=""/>
+        <p:cNvGrpSpPr/>
+        <p:nvPr/>
+      </p:nvGrpSpPr>
+      <p:grpSpPr>
+        <a:xfrm>
+          <a:off x="0" y="0"/>
+          <a:ext cx="0" cy="0"/>
+          <a:chOff x="0" y="0"/>
+          <a:chExt cx="0" cy="0"/>
+        </a:xfrm>
+      </p:grpSpPr>
+      <p:sp>
+        <p:nvSpPr>
+          <p:cNvPr id="2" name="Unvan 1"/>
+          <p:cNvSpPr>
+            <a:spLocks noGrp="1"/>
+          </p:cNvSpPr>
+          <p:nvPr>
+            <p:ph type="title"/>
+          </p:nvPr>
+        </p:nvSpPr>
+        <p:spPr/>
+        <p:txBody>
+          <a:bodyPr/>
+          <a:lstStyle/>
+          <a:p>
+            <a:r>
+              <a:rPr lang="tr-TR" dirty="0" smtClean="0"/>
+              <a:t>Data Setleri</a:t>
+            </a:r>
+            <a:endParaRPr lang="en-US" dirty="0"/>
+          </a:p>
+        </p:txBody>
+      </p:sp>
+      <p:sp>
+        <p:nvSpPr>
+          <p:cNvPr id="3" name="İçerik Yer Tutucusu 2"/>
+          <p:cNvSpPr>
+            <a:spLocks noGrp="1"/>
+          </p:cNvSpPr>
+          <p:nvPr>
+            <p:ph idx="1"/>
+          </p:nvPr>
+        </p:nvSpPr>
+        <p:spPr/>
+        <p:txBody>
+          <a:bodyPr/>
+          <a:lstStyle/>
+          <a:p>
+            <a:endParaRPr lang="tr-TR" b="1" dirty="0" smtClean="0"/>
+          </a:p>
+          <a:p>
+            <a:r>
+              <a:rPr lang="en-US" sz="4000" b="1" dirty="0" smtClean="0">
+                <a:hlinkClick r:id="rId2"/>
+              </a:rPr>
+              <a:t>https://www.kaggle.com/datasets</a:t>
+            </a:r>
+            <a:endParaRPr lang="en-US" sz="4000" b="1" dirty="0"/>
+          </a:p>
+        </p:txBody>
+      </p:sp>
+    </p:spTree>
+    <p:extLst>
+      <p:ext uri="{BB962C8B-B14F-4D97-AF65-F5344CB8AC3E}">
+        <p14:creationId xmlns:p14="http://schemas.microsoft.com/office/powerpoint/2010/main" val="78095366"/>
+      </p:ext>
+    </p:extLst>
+  </p:cSld>
+  <p:clrMapOvr>
+    <a:masterClrMapping/>
+  </p:clrMapOvr>
+</p:sld>
+</file>
+
+<file path=ppt/slides/slide6.xml><?xml version="1.0" encoding="utf-8"?>
+<p:sld xmlns:a="http://schemas.openxmlformats.org/drawingml/2006/main" xmlns:r="http://schemas.openxmlformats.org/officeDocument/2006/relationships" xmlns:p="http://schemas.openxmlformats.org/presentationml/2006/main">
+  <p:cSld>
+    <p:spTree>
+      <p:nvGrpSpPr>
+        <p:cNvPr id="1" name=""/>
+        <p:cNvGrpSpPr/>
+        <p:nvPr/>
+      </p:nvGrpSpPr>
+      <p:grpSpPr>
+        <a:xfrm>
+          <a:off x="0" y="0"/>
+          <a:ext cx="0" cy="0"/>
+          <a:chOff x="0" y="0"/>
+          <a:chExt cx="0" cy="0"/>
+        </a:xfrm>
+      </p:grpSpPr>
+      <p:sp>
+        <p:nvSpPr>
+          <p:cNvPr id="2" name="Unvan 1"/>
+          <p:cNvSpPr>
+            <a:spLocks noGrp="1"/>
+          </p:cNvSpPr>
+          <p:nvPr>
+            <p:ph type="title"/>
+          </p:nvPr>
+        </p:nvSpPr>
+        <p:spPr/>
+        <p:txBody>
+          <a:bodyPr/>
+          <a:lstStyle/>
+          <a:p>
+            <a:r>
+              <a:rPr lang="tr-TR" dirty="0" smtClean="0"/>
               <a:t>Veri Analizi ve Yapay Zeka</a:t>
             </a:r>
             <a:endParaRPr lang="en-US" dirty="0"/>
@@ -6962,7 +7226,7 @@
 </p:sld>
 </file>
 
-<file path=ppt/slides/slide5.xml><?xml version="1.0" encoding="utf-8"?>
+<file path=ppt/slides/slide7.xml><?xml version="1.0" encoding="utf-8"?>
 <p:sld xmlns:a="http://schemas.openxmlformats.org/drawingml/2006/main" xmlns:r="http://schemas.openxmlformats.org/officeDocument/2006/relationships" xmlns:p="http://schemas.openxmlformats.org/presentationml/2006/main">
   <p:cSld>
     <p:spTree>
@@ -7044,7 +7308,7 @@
 </p:sld>
 </file>
 
-<file path=ppt/slides/slide6.xml><?xml version="1.0" encoding="utf-8"?>
+<file path=ppt/slides/slide8.xml><?xml version="1.0" encoding="utf-8"?>
 <p:sld xmlns:a="http://schemas.openxmlformats.org/drawingml/2006/main" xmlns:r="http://schemas.openxmlformats.org/officeDocument/2006/relationships" xmlns:p="http://schemas.openxmlformats.org/presentationml/2006/main">
   <p:cSld>
     <p:spTree>
@@ -7122,7 +7386,7 @@
 </p:sld>
 </file>
 
-<file path=ppt/slides/slide7.xml><?xml version="1.0" encoding="utf-8"?>
+<file path=ppt/slides/slide9.xml><?xml version="1.0" encoding="utf-8"?>
 <p:sld xmlns:a="http://schemas.openxmlformats.org/drawingml/2006/main" xmlns:r="http://schemas.openxmlformats.org/officeDocument/2006/relationships" xmlns:p="http://schemas.openxmlformats.org/presentationml/2006/main">
   <p:cSld>
     <p:spTree>
@@ -7191,91 +7455,6 @@
     <p:extLst>
       <p:ext uri="{BB962C8B-B14F-4D97-AF65-F5344CB8AC3E}">
         <p14:creationId xmlns:p14="http://schemas.microsoft.com/office/powerpoint/2010/main" val="1600446427"/>
-      </p:ext>
-    </p:extLst>
-  </p:cSld>
-  <p:clrMapOvr>
-    <a:masterClrMapping/>
-  </p:clrMapOvr>
-</p:sld>
-</file>
-
-<file path=ppt/slides/slide8.xml><?xml version="1.0" encoding="utf-8"?>
-<p:sld xmlns:a="http://schemas.openxmlformats.org/drawingml/2006/main" xmlns:r="http://schemas.openxmlformats.org/officeDocument/2006/relationships" xmlns:p="http://schemas.openxmlformats.org/presentationml/2006/main">
-  <p:cSld>
-    <p:spTree>
-      <p:nvGrpSpPr>
-        <p:cNvPr id="1" name=""/>
-        <p:cNvGrpSpPr/>
-        <p:nvPr/>
-      </p:nvGrpSpPr>
-      <p:grpSpPr>
-        <a:xfrm>
-          <a:off x="0" y="0"/>
-          <a:ext cx="0" cy="0"/>
-          <a:chOff x="0" y="0"/>
-          <a:chExt cx="0" cy="0"/>
-        </a:xfrm>
-      </p:grpSpPr>
-      <p:sp>
-        <p:nvSpPr>
-          <p:cNvPr id="2" name="Unvan 1"/>
-          <p:cNvSpPr>
-            <a:spLocks noGrp="1"/>
-          </p:cNvSpPr>
-          <p:nvPr>
-            <p:ph type="title"/>
-          </p:nvPr>
-        </p:nvSpPr>
-        <p:spPr/>
-        <p:txBody>
-          <a:bodyPr/>
-          <a:lstStyle/>
-          <a:p>
-            <a:r>
-              <a:rPr lang="tr-TR" dirty="0" smtClean="0"/>
-              <a:t>Basık Dağılım, Eğik ,Dik Dağılım</a:t>
-            </a:r>
-            <a:br>
-              <a:rPr lang="tr-TR" dirty="0" smtClean="0"/>
-            </a:br>
-            <a:endParaRPr lang="en-US" dirty="0"/>
-          </a:p>
-        </p:txBody>
-      </p:sp>
-      <p:pic>
-        <p:nvPicPr>
-          <p:cNvPr id="4" name="İçerik Yer Tutucusu 3"/>
-          <p:cNvPicPr>
-            <a:picLocks noGrp="1" noChangeAspect="1"/>
-          </p:cNvPicPr>
-          <p:nvPr>
-            <p:ph idx="1"/>
-          </p:nvPr>
-        </p:nvPicPr>
-        <p:blipFill>
-          <a:blip r:embed="rId2">
-            <a:extLst>
-              <a:ext uri="{28A0092B-C50C-407E-A947-70E740481C1C}">
-                <a14:useLocalDpi xmlns:a14="http://schemas.microsoft.com/office/drawing/2010/main" val="0"/>
-              </a:ext>
-            </a:extLst>
-          </a:blip>
-          <a:stretch>
-            <a:fillRect/>
-          </a:stretch>
-        </p:blipFill>
-        <p:spPr>
-          <a:xfrm>
-            <a:off x="1267691" y="1580606"/>
-            <a:ext cx="7374999" cy="4963885"/>
-          </a:xfrm>
-        </p:spPr>
-      </p:pic>
-    </p:spTree>
-    <p:extLst>
-      <p:ext uri="{BB962C8B-B14F-4D97-AF65-F5344CB8AC3E}">
-        <p14:creationId xmlns:p14="http://schemas.microsoft.com/office/powerpoint/2010/main" val="2368755043"/>
       </p:ext>
     </p:extLst>
   </p:cSld>
